--- a/Milestone2 Presentation.pptx
+++ b/Milestone2 Presentation.pptx
@@ -4615,6 +4615,17 @@
             <a:r>
               <a:rPr lang="de-DE" dirty="0" err="1"/>
               <a:t>value</a:t>
+            </a:r>
+            <a:endParaRPr lang="de-DE" dirty="0"/>
+          </a:p>
+          <a:p>
+            <a:r>
+              <a:rPr lang="de-DE" dirty="0"/>
+              <a:t>Bad time </a:t>
+            </a:r>
+            <a:r>
+              <a:rPr lang="de-DE" dirty="0" err="1"/>
+              <a:t>management</a:t>
             </a:r>
             <a:endParaRPr lang="de-DE" dirty="0"/>
           </a:p>

--- a/Milestone2 Presentation.pptx
+++ b/Milestone2 Presentation.pptx
@@ -4187,6 +4187,87 @@
               <a:rPr lang="de-DE" dirty="0"/>
               <a:t>: Jason</a:t>
             </a:r>
+          </a:p>
+          <a:p>
+            <a:r>
+              <a:rPr lang="de-DE" dirty="0" err="1"/>
+              <a:t>Rewriting</a:t>
+            </a:r>
+            <a:r>
+              <a:rPr lang="de-DE" dirty="0"/>
+              <a:t> </a:t>
+            </a:r>
+            <a:r>
+              <a:rPr lang="de-DE" dirty="0" err="1"/>
+              <a:t>the</a:t>
+            </a:r>
+            <a:r>
+              <a:rPr lang="de-DE" dirty="0"/>
+              <a:t> </a:t>
+            </a:r>
+            <a:r>
+              <a:rPr lang="de-DE" dirty="0" err="1"/>
+              <a:t>whole</a:t>
+            </a:r>
+            <a:r>
+              <a:rPr lang="de-DE" dirty="0"/>
+              <a:t> </a:t>
+            </a:r>
+            <a:r>
+              <a:rPr lang="de-DE" dirty="0" err="1"/>
+              <a:t>project</a:t>
+            </a:r>
+            <a:r>
+              <a:rPr lang="de-DE" dirty="0"/>
+              <a:t> in </a:t>
+            </a:r>
+            <a:r>
+              <a:rPr lang="de-DE" dirty="0" err="1"/>
+              <a:t>jason</a:t>
+            </a:r>
+            <a:endParaRPr lang="de-DE" dirty="0"/>
+          </a:p>
+          <a:p>
+            <a:pPr lvl="1"/>
+            <a:r>
+              <a:rPr lang="de-DE" dirty="0" err="1"/>
+              <a:t>Getting</a:t>
+            </a:r>
+            <a:r>
+              <a:rPr lang="de-DE" dirty="0"/>
+              <a:t> </a:t>
+            </a:r>
+            <a:r>
+              <a:rPr lang="de-DE" dirty="0" err="1"/>
+              <a:t>used</a:t>
+            </a:r>
+            <a:r>
+              <a:rPr lang="de-DE" dirty="0"/>
+              <a:t> </a:t>
+            </a:r>
+            <a:r>
+              <a:rPr lang="de-DE" dirty="0" err="1"/>
+              <a:t>to</a:t>
+            </a:r>
+            <a:r>
+              <a:rPr lang="de-DE" dirty="0"/>
+              <a:t> </a:t>
+            </a:r>
+            <a:r>
+              <a:rPr lang="de-DE" dirty="0" err="1"/>
+              <a:t>jason</a:t>
+            </a:r>
+            <a:endParaRPr lang="de-DE"/>
+          </a:p>
+          <a:p>
+            <a:pPr lvl="1"/>
+            <a:endParaRPr lang="de-DE" dirty="0"/>
+          </a:p>
+          <a:p>
+            <a:endParaRPr lang="de-DE" dirty="0"/>
+          </a:p>
+          <a:p>
+            <a:endParaRPr lang="de-DE" dirty="0"/>
           </a:p>
           <a:p>
             <a:endParaRPr lang="de-DE" dirty="0"/>

--- a/Milestone2 Presentation.pptx
+++ b/Milestone2 Presentation.pptx
@@ -15,8 +15,8 @@
     <p:sldId id="260" r:id="rId3"/>
     <p:sldId id="266" r:id="rId4"/>
     <p:sldId id="263" r:id="rId5"/>
-    <p:sldId id="262" r:id="rId6"/>
-    <p:sldId id="264" r:id="rId7"/>
+    <p:sldId id="264" r:id="rId6"/>
+    <p:sldId id="270" r:id="rId7"/>
     <p:sldId id="268" r:id="rId8"/>
     <p:sldId id="269" r:id="rId9"/>
   </p:sldIdLst>
@@ -773,96 +773,6 @@
     <p:extLst>
       <p:ext uri="{BB962C8B-B14F-4D97-AF65-F5344CB8AC3E}">
         <p14:creationId xmlns:p14="http://schemas.microsoft.com/office/powerpoint/2010/main" val="1975198015"/>
-      </p:ext>
-    </p:extLst>
-  </p:cSld>
-  <p:clrMapOvr>
-    <a:masterClrMapping/>
-  </p:clrMapOvr>
-</p:notes>
-</file>
-
-<file path=ppt/notesSlides/notesSlide2.xml><?xml version="1.0" encoding="utf-8"?>
-<p:notes xmlns:a="http://schemas.openxmlformats.org/drawingml/2006/main" xmlns:r="http://schemas.openxmlformats.org/officeDocument/2006/relationships" xmlns:p="http://schemas.openxmlformats.org/presentationml/2006/main">
-  <p:cSld>
-    <p:spTree>
-      <p:nvGrpSpPr>
-        <p:cNvPr id="1" name=""/>
-        <p:cNvGrpSpPr/>
-        <p:nvPr/>
-      </p:nvGrpSpPr>
-      <p:grpSpPr>
-        <a:xfrm>
-          <a:off x="0" y="0"/>
-          <a:ext cx="0" cy="0"/>
-          <a:chOff x="0" y="0"/>
-          <a:chExt cx="0" cy="0"/>
-        </a:xfrm>
-      </p:grpSpPr>
-      <p:sp>
-        <p:nvSpPr>
-          <p:cNvPr id="2" name="Folienbildplatzhalter 1"/>
-          <p:cNvSpPr>
-            <a:spLocks noGrp="1" noRot="1" noChangeAspect="1"/>
-          </p:cNvSpPr>
-          <p:nvPr>
-            <p:ph type="sldImg"/>
-          </p:nvPr>
-        </p:nvSpPr>
-        <p:spPr>
-          <a:xfrm>
-            <a:off x="1168400" y="901700"/>
-            <a:ext cx="5500688" cy="3094038"/>
-          </a:xfrm>
-        </p:spPr>
-      </p:sp>
-      <p:sp>
-        <p:nvSpPr>
-          <p:cNvPr id="3" name="Notizenplatzhalter 2"/>
-          <p:cNvSpPr>
-            <a:spLocks noGrp="1"/>
-          </p:cNvSpPr>
-          <p:nvPr>
-            <p:ph type="body" idx="1"/>
-          </p:nvPr>
-        </p:nvSpPr>
-        <p:spPr/>
-        <p:txBody>
-          <a:bodyPr/>
-          <a:lstStyle/>
-          <a:p>
-            <a:endParaRPr lang="de-DE" dirty="0"/>
-          </a:p>
-        </p:txBody>
-      </p:sp>
-      <p:sp>
-        <p:nvSpPr>
-          <p:cNvPr id="4" name="Foliennummernplatzhalter 3"/>
-          <p:cNvSpPr>
-            <a:spLocks noGrp="1"/>
-          </p:cNvSpPr>
-          <p:nvPr>
-            <p:ph type="sldNum" sz="quarter" idx="5"/>
-          </p:nvPr>
-        </p:nvSpPr>
-        <p:spPr/>
-        <p:txBody>
-          <a:bodyPr/>
-          <a:lstStyle/>
-          <a:p>
-            <a:fld id="{272E3E51-A3F3-4FD4-9C75-1C612CCCCA5A}" type="slidenum">
-              <a:rPr lang="de-DE" smtClean="0"/>
-              <a:pPr/>
-              <a:t>5</a:t>
-            </a:fld>
-            <a:endParaRPr lang="de-DE"/>
-          </a:p>
-        </p:txBody>
-      </p:sp>
-    </p:spTree>
-    <p:extLst>
-      <p:ext uri="{BB962C8B-B14F-4D97-AF65-F5344CB8AC3E}">
-        <p14:creationId xmlns:p14="http://schemas.microsoft.com/office/powerpoint/2010/main" val="812823342"/>
       </p:ext>
     </p:extLst>
   </p:cSld>
@@ -4450,7 +4360,7 @@
           <p:cNvPr id="2" name="Inhaltsplatzhalter 1">
             <a:extLst>
               <a:ext uri="{FF2B5EF4-FFF2-40B4-BE49-F238E27FC236}">
-                <a16:creationId xmlns:a16="http://schemas.microsoft.com/office/drawing/2014/main" id="{8ADC3683-0E55-4C33-9A67-3AA0C2B4DC09}"/>
+                <a16:creationId xmlns:a16="http://schemas.microsoft.com/office/drawing/2014/main" id="{008CDEC1-D24F-4BEA-A08D-9243A2CDBD66}"/>
               </a:ext>
             </a:extLst>
           </p:cNvPr>
@@ -4468,8 +4378,167 @@
           <a:p>
             <a:r>
               <a:rPr lang="de-DE" dirty="0"/>
-              <a:t>Video ?</a:t>
-            </a:r>
+              <a:t>Having </a:t>
+            </a:r>
+            <a:r>
+              <a:rPr lang="de-DE" dirty="0" err="1"/>
+              <a:t>to</a:t>
+            </a:r>
+            <a:r>
+              <a:rPr lang="de-DE" dirty="0"/>
+              <a:t> </a:t>
+            </a:r>
+            <a:r>
+              <a:rPr lang="de-DE" dirty="0" err="1"/>
+              <a:t>redo</a:t>
+            </a:r>
+            <a:r>
+              <a:rPr lang="de-DE" dirty="0"/>
+              <a:t> </a:t>
+            </a:r>
+            <a:r>
+              <a:rPr lang="de-DE" dirty="0" err="1"/>
+              <a:t>everything</a:t>
+            </a:r>
+            <a:r>
+              <a:rPr lang="de-DE" dirty="0"/>
+              <a:t> in Jason</a:t>
+            </a:r>
+          </a:p>
+          <a:p>
+            <a:pPr lvl="1"/>
+            <a:r>
+              <a:rPr lang="de-DE" dirty="0"/>
+              <a:t>And </a:t>
+            </a:r>
+            <a:r>
+              <a:rPr lang="de-DE" dirty="0" err="1"/>
+              <a:t>dealing</a:t>
+            </a:r>
+            <a:r>
+              <a:rPr lang="de-DE" dirty="0"/>
+              <a:t> </a:t>
+            </a:r>
+            <a:r>
+              <a:rPr lang="de-DE" dirty="0" err="1"/>
+              <a:t>with</a:t>
+            </a:r>
+            <a:r>
+              <a:rPr lang="de-DE" dirty="0"/>
+              <a:t> </a:t>
+            </a:r>
+            <a:r>
+              <a:rPr lang="de-DE" dirty="0" err="1"/>
+              <a:t>the</a:t>
+            </a:r>
+            <a:r>
+              <a:rPr lang="de-DE" dirty="0"/>
+              <a:t> same </a:t>
+            </a:r>
+            <a:r>
+              <a:rPr lang="de-DE" dirty="0" err="1"/>
+              <a:t>problems</a:t>
+            </a:r>
+            <a:r>
+              <a:rPr lang="de-DE" dirty="0"/>
+              <a:t> in different </a:t>
+            </a:r>
+            <a:r>
+              <a:rPr lang="de-DE" dirty="0" err="1"/>
+              <a:t>ways</a:t>
+            </a:r>
+            <a:endParaRPr lang="de-DE" dirty="0"/>
+          </a:p>
+          <a:p>
+            <a:r>
+              <a:rPr lang="de-DE" dirty="0" err="1"/>
+              <a:t>Getting</a:t>
+            </a:r>
+            <a:r>
+              <a:rPr lang="de-DE" dirty="0"/>
+              <a:t> </a:t>
+            </a:r>
+            <a:r>
+              <a:rPr lang="de-DE" dirty="0" err="1"/>
+              <a:t>used</a:t>
+            </a:r>
+            <a:r>
+              <a:rPr lang="de-DE" dirty="0"/>
+              <a:t> </a:t>
+            </a:r>
+            <a:r>
+              <a:rPr lang="de-DE" dirty="0" err="1"/>
+              <a:t>to</a:t>
+            </a:r>
+            <a:r>
+              <a:rPr lang="de-DE" dirty="0"/>
+              <a:t> Jason</a:t>
+            </a:r>
+          </a:p>
+          <a:p>
+            <a:pPr lvl="1"/>
+            <a:r>
+              <a:rPr lang="de-DE" dirty="0" err="1"/>
+              <a:t>Eg</a:t>
+            </a:r>
+            <a:r>
+              <a:rPr lang="de-DE" dirty="0"/>
+              <a:t>. </a:t>
+            </a:r>
+            <a:r>
+              <a:rPr lang="de-DE" dirty="0" err="1"/>
+              <a:t>having</a:t>
+            </a:r>
+            <a:r>
+              <a:rPr lang="de-DE" dirty="0"/>
+              <a:t> </a:t>
+            </a:r>
+            <a:r>
+              <a:rPr lang="de-DE" dirty="0" err="1"/>
+              <a:t>to</a:t>
+            </a:r>
+            <a:r>
+              <a:rPr lang="de-DE" dirty="0"/>
+              <a:t> </a:t>
+            </a:r>
+            <a:r>
+              <a:rPr lang="de-DE" dirty="0" err="1"/>
+              <a:t>describe</a:t>
+            </a:r>
+            <a:r>
+              <a:rPr lang="de-DE" dirty="0"/>
+              <a:t> </a:t>
+            </a:r>
+            <a:r>
+              <a:rPr lang="de-DE" dirty="0" err="1"/>
+              <a:t>functions</a:t>
+            </a:r>
+            <a:r>
+              <a:rPr lang="de-DE" dirty="0"/>
+              <a:t> like absolut </a:t>
+            </a:r>
+            <a:r>
+              <a:rPr lang="de-DE" dirty="0" err="1"/>
+              <a:t>value</a:t>
+            </a:r>
+            <a:endParaRPr lang="de-DE" dirty="0"/>
+          </a:p>
+          <a:p>
+            <a:r>
+              <a:rPr lang="de-DE" dirty="0"/>
+              <a:t>Bad time </a:t>
+            </a:r>
+            <a:r>
+              <a:rPr lang="de-DE" dirty="0" err="1"/>
+              <a:t>management</a:t>
+            </a:r>
+            <a:endParaRPr lang="de-DE" dirty="0"/>
+          </a:p>
+          <a:p>
+            <a:endParaRPr lang="de-DE" dirty="0"/>
+          </a:p>
+          <a:p>
+            <a:endParaRPr lang="de-DE" dirty="0"/>
           </a:p>
         </p:txBody>
       </p:sp>
@@ -4478,7 +4547,7 @@
           <p:cNvPr id="3" name="Titel 2">
             <a:extLst>
               <a:ext uri="{FF2B5EF4-FFF2-40B4-BE49-F238E27FC236}">
-                <a16:creationId xmlns:a16="http://schemas.microsoft.com/office/drawing/2014/main" id="{C05D9E19-D965-4B26-AD97-3E6D618E467A}"/>
+                <a16:creationId xmlns:a16="http://schemas.microsoft.com/office/drawing/2014/main" id="{EB0B8C7E-677A-42E5-9DD8-C88FDAFCB412}"/>
               </a:ext>
             </a:extLst>
           </p:cNvPr>
@@ -4495,16 +4564,17 @@
           <a:lstStyle/>
           <a:p>
             <a:r>
-              <a:rPr lang="de-DE" dirty="0"/>
-              <a:t>Visuals</a:t>
-            </a:r>
+              <a:rPr lang="de-DE" dirty="0" err="1"/>
+              <a:t>Difficulties</a:t>
+            </a:r>
+            <a:endParaRPr lang="de-DE" dirty="0"/>
           </a:p>
         </p:txBody>
       </p:sp>
     </p:spTree>
     <p:extLst>
       <p:ext uri="{BB962C8B-B14F-4D97-AF65-F5344CB8AC3E}">
-        <p14:creationId xmlns:p14="http://schemas.microsoft.com/office/powerpoint/2010/main" val="1321363318"/>
+        <p14:creationId xmlns:p14="http://schemas.microsoft.com/office/powerpoint/2010/main" val="4096122012"/>
       </p:ext>
     </p:extLst>
   </p:cSld>
@@ -4536,7 +4606,7 @@
           <p:cNvPr id="2" name="Inhaltsplatzhalter 1">
             <a:extLst>
               <a:ext uri="{FF2B5EF4-FFF2-40B4-BE49-F238E27FC236}">
-                <a16:creationId xmlns:a16="http://schemas.microsoft.com/office/drawing/2014/main" id="{008CDEC1-D24F-4BEA-A08D-9243A2CDBD66}"/>
+                <a16:creationId xmlns:a16="http://schemas.microsoft.com/office/drawing/2014/main" id="{992CF9DC-FF24-4332-B908-FC8B31998C7E}"/>
               </a:ext>
             </a:extLst>
           </p:cNvPr>
@@ -4553,8 +4623,125 @@
           <a:lstStyle/>
           <a:p>
             <a:r>
-              <a:rPr lang="de-DE" dirty="0"/>
-              <a:t>Having </a:t>
+              <a:rPr lang="de-DE" dirty="0" err="1"/>
+              <a:t>Movementfunction</a:t>
+            </a:r>
+            <a:r>
+              <a:rPr lang="de-DE" dirty="0"/>
+              <a:t> </a:t>
+            </a:r>
+            <a:r>
+              <a:rPr lang="de-DE" dirty="0" err="1"/>
+              <a:t>isnt</a:t>
+            </a:r>
+            <a:r>
+              <a:rPr lang="de-DE" dirty="0"/>
+              <a:t> </a:t>
+            </a:r>
+            <a:r>
+              <a:rPr lang="de-DE" dirty="0" err="1"/>
+              <a:t>working</a:t>
+            </a:r>
+            <a:r>
+              <a:rPr lang="de-DE" dirty="0"/>
+              <a:t> </a:t>
+            </a:r>
+            <a:r>
+              <a:rPr lang="de-DE" dirty="0" err="1"/>
+              <a:t>right</a:t>
+            </a:r>
+            <a:r>
+              <a:rPr lang="de-DE" dirty="0"/>
+              <a:t> </a:t>
+            </a:r>
+          </a:p>
+          <a:p>
+            <a:pPr lvl="1"/>
+            <a:r>
+              <a:rPr lang="de-DE" dirty="0" err="1"/>
+              <a:t>Agents</a:t>
+            </a:r>
+            <a:r>
+              <a:rPr lang="de-DE" dirty="0"/>
+              <a:t> </a:t>
+            </a:r>
+            <a:r>
+              <a:rPr lang="de-DE" dirty="0" err="1"/>
+              <a:t>get</a:t>
+            </a:r>
+            <a:r>
+              <a:rPr lang="de-DE" dirty="0"/>
+              <a:t> stuck</a:t>
+            </a:r>
+          </a:p>
+          <a:p>
+            <a:pPr lvl="1"/>
+            <a:endParaRPr lang="de-DE" dirty="0"/>
+          </a:p>
+          <a:p>
+            <a:pPr lvl="1"/>
+            <a:endParaRPr lang="de-DE" dirty="0"/>
+          </a:p>
+          <a:p>
+            <a:r>
+              <a:rPr lang="de-DE" dirty="0"/>
+              <a:t>Possible </a:t>
+            </a:r>
+            <a:r>
+              <a:rPr lang="de-DE" dirty="0" err="1"/>
+              <a:t>solution</a:t>
+            </a:r>
+            <a:r>
+              <a:rPr lang="de-DE" dirty="0"/>
+              <a:t>: </a:t>
+            </a:r>
+            <a:r>
+              <a:rPr lang="de-DE" dirty="0" err="1"/>
+              <a:t>Agents</a:t>
+            </a:r>
+            <a:r>
+              <a:rPr lang="de-DE" dirty="0"/>
+              <a:t> </a:t>
+            </a:r>
+            <a:r>
+              <a:rPr lang="de-DE" dirty="0" err="1"/>
+              <a:t>get</a:t>
+            </a:r>
+            <a:r>
+              <a:rPr lang="de-DE" dirty="0"/>
+              <a:t> an </a:t>
+            </a:r>
+            <a:r>
+              <a:rPr lang="de-DE" dirty="0" err="1"/>
+              <a:t>random</a:t>
+            </a:r>
+            <a:r>
+              <a:rPr lang="de-DE" dirty="0"/>
+              <a:t> </a:t>
+            </a:r>
+            <a:r>
+              <a:rPr lang="de-DE" dirty="0" err="1"/>
+              <a:t>field</a:t>
+            </a:r>
+            <a:r>
+              <a:rPr lang="de-DE" dirty="0"/>
+              <a:t> in </a:t>
+            </a:r>
+            <a:r>
+              <a:rPr lang="de-DE" dirty="0" err="1"/>
+              <a:t>their</a:t>
+            </a:r>
+            <a:r>
+              <a:rPr lang="de-DE" dirty="0"/>
+              <a:t> </a:t>
+            </a:r>
+            <a:r>
+              <a:rPr lang="de-DE" dirty="0" err="1"/>
+              <a:t>view</a:t>
+            </a:r>
+            <a:r>
+              <a:rPr lang="de-DE" dirty="0"/>
+              <a:t> </a:t>
             </a:r>
             <a:r>
               <a:rPr lang="de-DE" dirty="0" err="1"/>
@@ -4566,7 +4753,7 @@
             </a:r>
             <a:r>
               <a:rPr lang="de-DE" dirty="0" err="1"/>
-              <a:t>redo</a:t>
+              <a:t>move</a:t>
             </a:r>
             <a:r>
               <a:rPr lang="de-DE" dirty="0"/>
@@ -4574,22 +4761,15 @@
             </a:r>
             <a:r>
               <a:rPr lang="de-DE" dirty="0" err="1"/>
-              <a:t>everything</a:t>
-            </a:r>
-            <a:r>
-              <a:rPr lang="de-DE" dirty="0"/>
-              <a:t> in Jason</a:t>
-            </a:r>
-          </a:p>
-          <a:p>
-            <a:pPr lvl="1"/>
-            <a:r>
-              <a:rPr lang="de-DE" dirty="0"/>
-              <a:t>And </a:t>
-            </a:r>
-            <a:r>
-              <a:rPr lang="de-DE" dirty="0" err="1"/>
-              <a:t>dealing</a:t>
+              <a:t>there</a:t>
+            </a:r>
+            <a:r>
+              <a:rPr lang="de-DE" dirty="0"/>
+              <a:t>, </a:t>
+            </a:r>
+            <a:r>
+              <a:rPr lang="de-DE" dirty="0" err="1"/>
+              <a:t>then</a:t>
             </a:r>
             <a:r>
               <a:rPr lang="de-DE" dirty="0"/>
@@ -4597,7 +4777,15 @@
             </a:r>
             <a:r>
               <a:rPr lang="de-DE" dirty="0" err="1"/>
-              <a:t>with</a:t>
+              <a:t>get</a:t>
+            </a:r>
+            <a:r>
+              <a:rPr lang="de-DE" dirty="0"/>
+              <a:t> a </a:t>
+            </a:r>
+            <a:r>
+              <a:rPr lang="de-DE" dirty="0" err="1"/>
+              <a:t>new</a:t>
             </a:r>
             <a:r>
               <a:rPr lang="de-DE" dirty="0"/>
@@ -4605,30 +4793,15 @@
             </a:r>
             <a:r>
               <a:rPr lang="de-DE" dirty="0" err="1"/>
-              <a:t>the</a:t>
-            </a:r>
-            <a:r>
-              <a:rPr lang="de-DE" dirty="0"/>
-              <a:t> same </a:t>
-            </a:r>
-            <a:r>
-              <a:rPr lang="de-DE" dirty="0" err="1"/>
-              <a:t>problems</a:t>
-            </a:r>
-            <a:r>
-              <a:rPr lang="de-DE" dirty="0"/>
-              <a:t> in different </a:t>
-            </a:r>
-            <a:r>
-              <a:rPr lang="de-DE" dirty="0" err="1"/>
-              <a:t>ways</a:t>
-            </a:r>
-            <a:endParaRPr lang="de-DE" dirty="0"/>
-          </a:p>
-          <a:p>
-            <a:r>
-              <a:rPr lang="de-DE" dirty="0" err="1"/>
-              <a:t>Getting</a:t>
+              <a:t>one</a:t>
+            </a:r>
+            <a:r>
+              <a:rPr lang="de-DE" dirty="0"/>
+              <a:t>, </a:t>
+            </a:r>
+            <a:r>
+              <a:rPr lang="de-DE" dirty="0" err="1"/>
+              <a:t>eccept</a:t>
             </a:r>
             <a:r>
               <a:rPr lang="de-DE" dirty="0"/>
@@ -4636,7 +4809,7 @@
             </a:r>
             <a:r>
               <a:rPr lang="de-DE" dirty="0" err="1"/>
-              <a:t>used</a:t>
+              <a:t>there</a:t>
             </a:r>
             <a:r>
               <a:rPr lang="de-DE" dirty="0"/>
@@ -4644,26 +4817,15 @@
             </a:r>
             <a:r>
               <a:rPr lang="de-DE" dirty="0" err="1"/>
-              <a:t>to</a:t>
-            </a:r>
-            <a:r>
-              <a:rPr lang="de-DE" dirty="0"/>
-              <a:t> Jason</a:t>
-            </a:r>
-          </a:p>
-          <a:p>
-            <a:pPr lvl="1"/>
-            <a:r>
-              <a:rPr lang="de-DE" dirty="0" err="1"/>
-              <a:t>Eg</a:t>
-            </a:r>
-            <a:r>
-              <a:rPr lang="de-DE" dirty="0"/>
-              <a:t>. </a:t>
-            </a:r>
-            <a:r>
-              <a:rPr lang="de-DE" dirty="0" err="1"/>
-              <a:t>having</a:t>
+              <a:t>is</a:t>
+            </a:r>
+            <a:r>
+              <a:rPr lang="de-DE" dirty="0"/>
+              <a:t> a </a:t>
+            </a:r>
+            <a:r>
+              <a:rPr lang="de-DE" dirty="0" err="1"/>
+              <a:t>higher</a:t>
             </a:r>
             <a:r>
               <a:rPr lang="de-DE" dirty="0"/>
@@ -4671,7 +4833,7 @@
             </a:r>
             <a:r>
               <a:rPr lang="de-DE" dirty="0" err="1"/>
-              <a:t>to</a:t>
+              <a:t>goal</a:t>
             </a:r>
             <a:r>
               <a:rPr lang="de-DE" dirty="0"/>
@@ -4679,7 +4841,7 @@
             </a:r>
             <a:r>
               <a:rPr lang="de-DE" dirty="0" err="1"/>
-              <a:t>describe</a:t>
+              <a:t>than</a:t>
             </a:r>
             <a:r>
               <a:rPr lang="de-DE" dirty="0"/>
@@ -4687,34 +4849,60 @@
             </a:r>
             <a:r>
               <a:rPr lang="de-DE" dirty="0" err="1"/>
-              <a:t>functions</a:t>
-            </a:r>
-            <a:r>
-              <a:rPr lang="de-DE" dirty="0"/>
-              <a:t> like absolut </a:t>
-            </a:r>
-            <a:r>
-              <a:rPr lang="de-DE" dirty="0" err="1"/>
-              <a:t>value</a:t>
-            </a:r>
-            <a:endParaRPr lang="de-DE" dirty="0"/>
-          </a:p>
-          <a:p>
-            <a:r>
-              <a:rPr lang="de-DE" dirty="0"/>
-              <a:t>Bad time </a:t>
-            </a:r>
-            <a:r>
-              <a:rPr lang="de-DE" dirty="0" err="1"/>
-              <a:t>management</a:t>
-            </a:r>
-            <a:endParaRPr lang="de-DE" dirty="0"/>
-          </a:p>
-          <a:p>
-            <a:endParaRPr lang="de-DE" dirty="0"/>
-          </a:p>
-          <a:p>
-            <a:endParaRPr lang="de-DE" dirty="0"/>
+              <a:t>can</a:t>
+            </a:r>
+            <a:r>
+              <a:rPr lang="de-DE" dirty="0"/>
+              <a:t> </a:t>
+            </a:r>
+            <a:r>
+              <a:rPr lang="de-DE" dirty="0" err="1"/>
+              <a:t>be</a:t>
+            </a:r>
+            <a:r>
+              <a:rPr lang="de-DE" dirty="0"/>
+              <a:t> </a:t>
+            </a:r>
+            <a:r>
+              <a:rPr lang="de-DE" dirty="0" err="1"/>
+              <a:t>achieved</a:t>
+            </a:r>
+            <a:r>
+              <a:rPr lang="de-DE" dirty="0"/>
+              <a:t> (</a:t>
+            </a:r>
+            <a:r>
+              <a:rPr lang="de-DE" dirty="0" err="1"/>
+              <a:t>eg</a:t>
+            </a:r>
+            <a:r>
+              <a:rPr lang="de-DE" dirty="0"/>
+              <a:t> </a:t>
+            </a:r>
+            <a:r>
+              <a:rPr lang="de-DE" dirty="0" err="1"/>
+              <a:t>taskblock</a:t>
+            </a:r>
+            <a:r>
+              <a:rPr lang="de-DE" dirty="0"/>
+              <a:t>, </a:t>
+            </a:r>
+            <a:r>
+              <a:rPr lang="de-DE" dirty="0" err="1"/>
+              <a:t>dispenser</a:t>
+            </a:r>
+            <a:r>
+              <a:rPr lang="de-DE" dirty="0"/>
+              <a:t>, </a:t>
+            </a:r>
+            <a:r>
+              <a:rPr lang="de-DE" dirty="0" err="1"/>
+              <a:t>goalzone</a:t>
+            </a:r>
+            <a:r>
+              <a:rPr lang="de-DE" dirty="0"/>
+              <a:t>)</a:t>
+            </a:r>
           </a:p>
         </p:txBody>
       </p:sp>
@@ -4723,7 +4911,7 @@
           <p:cNvPr id="3" name="Titel 2">
             <a:extLst>
               <a:ext uri="{FF2B5EF4-FFF2-40B4-BE49-F238E27FC236}">
-                <a16:creationId xmlns:a16="http://schemas.microsoft.com/office/drawing/2014/main" id="{EB0B8C7E-677A-42E5-9DD8-C88FDAFCB412}"/>
+                <a16:creationId xmlns:a16="http://schemas.microsoft.com/office/drawing/2014/main" id="{CAE2AB60-355C-4FA5-A89E-306F971FF89B}"/>
               </a:ext>
             </a:extLst>
           </p:cNvPr>
@@ -4743,14 +4931,47 @@
               <a:rPr lang="de-DE" dirty="0" err="1"/>
               <a:t>Difficulties</a:t>
             </a:r>
-            <a:endParaRPr lang="de-DE" dirty="0"/>
+            <a:r>
+              <a:rPr lang="de-DE" dirty="0"/>
+              <a:t> (2)</a:t>
+            </a:r>
           </a:p>
         </p:txBody>
       </p:sp>
+      <p:pic>
+        <p:nvPicPr>
+          <p:cNvPr id="7" name="Grafik 6">
+            <a:extLst>
+              <a:ext uri="{FF2B5EF4-FFF2-40B4-BE49-F238E27FC236}">
+                <a16:creationId xmlns:a16="http://schemas.microsoft.com/office/drawing/2014/main" id="{B75296AE-0F92-452D-AC5C-4E9843DC63E3}"/>
+              </a:ext>
+            </a:extLst>
+          </p:cNvPr>
+          <p:cNvPicPr>
+            <a:picLocks noChangeAspect="1"/>
+          </p:cNvPicPr>
+          <p:nvPr/>
+        </p:nvPicPr>
+        <p:blipFill>
+          <a:blip r:embed="rId2"/>
+          <a:stretch>
+            <a:fillRect/>
+          </a:stretch>
+        </p:blipFill>
+        <p:spPr>
+          <a:xfrm>
+            <a:off x="6345239" y="1203275"/>
+            <a:ext cx="1498025" cy="1872531"/>
+          </a:xfrm>
+          <a:prstGeom prst="rect">
+            <a:avLst/>
+          </a:prstGeom>
+        </p:spPr>
+      </p:pic>
     </p:spTree>
     <p:extLst>
       <p:ext uri="{BB962C8B-B14F-4D97-AF65-F5344CB8AC3E}">
-        <p14:creationId xmlns:p14="http://schemas.microsoft.com/office/powerpoint/2010/main" val="4096122012"/>
+        <p14:creationId xmlns:p14="http://schemas.microsoft.com/office/powerpoint/2010/main" val="2917561943"/>
       </p:ext>
     </p:extLst>
   </p:cSld>

--- a/Milestone2 Presentation.pptx
+++ b/Milestone2 Presentation.pptx
@@ -5018,6 +5018,80 @@
         <p:txBody>
           <a:bodyPr/>
           <a:lstStyle/>
+          <a:p>
+            <a:r>
+              <a:rPr lang="de-DE" dirty="0" err="1"/>
+              <a:t>Implementing</a:t>
+            </a:r>
+            <a:r>
+              <a:rPr lang="de-DE" dirty="0"/>
+              <a:t> Java </a:t>
+            </a:r>
+            <a:r>
+              <a:rPr lang="de-DE" dirty="0" err="1"/>
+              <a:t>functions</a:t>
+            </a:r>
+            <a:r>
+              <a:rPr lang="de-DE" dirty="0"/>
+              <a:t> </a:t>
+            </a:r>
+            <a:r>
+              <a:rPr lang="de-DE" dirty="0" err="1"/>
+              <a:t>for</a:t>
+            </a:r>
+            <a:r>
+              <a:rPr lang="de-DE" dirty="0"/>
+              <a:t> </a:t>
+            </a:r>
+            <a:r>
+              <a:rPr lang="de-DE" dirty="0" err="1"/>
+              <a:t>more</a:t>
+            </a:r>
+            <a:r>
+              <a:rPr lang="de-DE" dirty="0"/>
+              <a:t> </a:t>
+            </a:r>
+            <a:r>
+              <a:rPr lang="de-DE" dirty="0" err="1"/>
+              <a:t>complex</a:t>
+            </a:r>
+            <a:r>
+              <a:rPr lang="de-DE" dirty="0"/>
+              <a:t> </a:t>
+            </a:r>
+            <a:r>
+              <a:rPr lang="de-DE" dirty="0" err="1"/>
+              <a:t>pathfinding</a:t>
+            </a:r>
+            <a:r>
+              <a:rPr lang="de-DE" dirty="0"/>
+              <a:t> (and </a:t>
+            </a:r>
+            <a:r>
+              <a:rPr lang="de-DE" dirty="0" err="1"/>
+              <a:t>maybe</a:t>
+            </a:r>
+            <a:r>
+              <a:rPr lang="de-DE" dirty="0"/>
+              <a:t> </a:t>
+            </a:r>
+            <a:r>
+              <a:rPr lang="de-DE" dirty="0" err="1"/>
+              <a:t>other</a:t>
+            </a:r>
+            <a:r>
+              <a:rPr lang="de-DE" dirty="0"/>
+              <a:t> </a:t>
+            </a:r>
+            <a:r>
+              <a:rPr lang="de-DE" dirty="0" err="1"/>
+              <a:t>stuff</a:t>
+            </a:r>
+            <a:r>
+              <a:rPr lang="de-DE" dirty="0"/>
+              <a:t>)</a:t>
+            </a:r>
+          </a:p>
           <a:p>
             <a:r>
               <a:rPr lang="de-DE" dirty="0" err="1"/>
